--- a/Presentation/Presentation.pptx
+++ b/Presentation/Presentation.pptx
@@ -33,7 +33,6 @@
     <p:sldId id="291" r:id="rId27"/>
     <p:sldId id="292" r:id="rId28"/>
     <p:sldId id="293" r:id="rId29"/>
-    <p:sldId id="290" r:id="rId30"/>
   </p:sldIdLst>
   <p:sldSz cx="12192000" cy="6858000"/>
   <p:notesSz cx="6858000" cy="9144000"/>
@@ -9550,111 +9549,6 @@
 </p:sld>
 </file>
 
-<file path=ppt/slides/slide29.xml><?xml version="1.0" encoding="utf-8"?>
-<p:sld xmlns:a="http://schemas.openxmlformats.org/drawingml/2006/main" xmlns:r="http://schemas.openxmlformats.org/officeDocument/2006/relationships" xmlns:p="http://schemas.openxmlformats.org/presentationml/2006/main">
-  <p:cSld>
-    <p:bg>
-      <p:bgPr>
-        <a:solidFill>
-          <a:schemeClr val="bg1"/>
-        </a:solidFill>
-        <a:effectLst/>
-      </p:bgPr>
-    </p:bg>
-    <p:spTree>
-      <p:nvGrpSpPr>
-        <p:cNvPr id="1" name=""/>
-        <p:cNvGrpSpPr/>
-        <p:nvPr/>
-      </p:nvGrpSpPr>
-      <p:grpSpPr>
-        <a:xfrm>
-          <a:off x="0" y="0"/>
-          <a:ext cx="0" cy="0"/>
-          <a:chOff x="0" y="0"/>
-          <a:chExt cx="0" cy="0"/>
-        </a:xfrm>
-      </p:grpSpPr>
-      <p:sp>
-        <p:nvSpPr>
-          <p:cNvPr id="2" name="Title 1">
-            <a:extLst>
-              <a:ext uri="{FF2B5EF4-FFF2-40B4-BE49-F238E27FC236}">
-                <a16:creationId xmlns:a16="http://schemas.microsoft.com/office/drawing/2014/main" id="{E58DED07-F1D9-AB4D-9EA3-CC3A76B9E160}"/>
-              </a:ext>
-            </a:extLst>
-          </p:cNvPr>
-          <p:cNvSpPr>
-            <a:spLocks noGrp="1"/>
-          </p:cNvSpPr>
-          <p:nvPr>
-            <p:ph type="title"/>
-          </p:nvPr>
-        </p:nvSpPr>
-        <p:spPr>
-          <a:xfrm>
-            <a:off x="677334" y="642938"/>
-            <a:ext cx="9181042" cy="871537"/>
-          </a:xfrm>
-        </p:spPr>
-        <p:txBody>
-          <a:bodyPr anchor="t">
-            <a:normAutofit/>
-          </a:bodyPr>
-          <a:lstStyle/>
-          <a:p>
-            <a:r>
-              <a:rPr lang="en-US" dirty="0"/>
-              <a:t>Results - References</a:t>
-            </a:r>
-          </a:p>
-        </p:txBody>
-      </p:sp>
-      <p:sp>
-        <p:nvSpPr>
-          <p:cNvPr id="3" name="Content Placeholder 2">
-            <a:extLst>
-              <a:ext uri="{FF2B5EF4-FFF2-40B4-BE49-F238E27FC236}">
-                <a16:creationId xmlns:a16="http://schemas.microsoft.com/office/drawing/2014/main" id="{6445B9FF-E1BD-B649-8F64-444E9465362C}"/>
-              </a:ext>
-            </a:extLst>
-          </p:cNvPr>
-          <p:cNvSpPr>
-            <a:spLocks noGrp="1"/>
-          </p:cNvSpPr>
-          <p:nvPr>
-            <p:ph idx="1"/>
-          </p:nvPr>
-        </p:nvSpPr>
-        <p:spPr>
-          <a:xfrm>
-            <a:off x="677334" y="1930400"/>
-            <a:ext cx="10052579" cy="3979512"/>
-          </a:xfrm>
-        </p:spPr>
-        <p:txBody>
-          <a:bodyPr>
-            <a:normAutofit/>
-          </a:bodyPr>
-          <a:lstStyle/>
-          <a:p>
-            <a:endParaRPr lang="en-US" sz="2800" b="1" dirty="0"/>
-          </a:p>
-        </p:txBody>
-      </p:sp>
-    </p:spTree>
-    <p:extLst>
-      <p:ext uri="{BB962C8B-B14F-4D97-AF65-F5344CB8AC3E}">
-        <p14:creationId xmlns:p14="http://schemas.microsoft.com/office/powerpoint/2010/main" val="2907773095"/>
-      </p:ext>
-    </p:extLst>
-  </p:cSld>
-  <p:clrMapOvr>
-    <a:masterClrMapping/>
-  </p:clrMapOvr>
-</p:sld>
-</file>
-
 <file path=ppt/slides/slide3.xml><?xml version="1.0" encoding="utf-8"?>
 <p:sld xmlns:a="http://schemas.openxmlformats.org/drawingml/2006/main" xmlns:r="http://schemas.openxmlformats.org/officeDocument/2006/relationships" xmlns:p="http://schemas.openxmlformats.org/presentationml/2006/main">
   <p:cSld>
